--- a/output/ebook-python-paradigmas.pptx
+++ b/output/ebook-python-paradigmas.pptx
@@ -9733,7 +9733,7 @@
             <a:pPr algn="ctr"/>
             <a:r>
               <a:rPr lang="pt-BR" b="1" dirty="0">
-                <a:hlinkClick r:id="rId1" tooltip="" action="ppaction://hlinkfile"/>
+                <a:hlinkClick r:id="rId1" action="ppaction://hlinkfile"/>
               </a:rPr>
               <a:t>https://github.com/</a:t>
             </a:r>
@@ -9742,13 +9742,13 @@
                 <a:solidFill>
                   <a:srgbClr val="FF0000"/>
                 </a:solidFill>
-                <a:hlinkClick r:id="rId1" tooltip="" action="ppaction://hlinkfile"/>
+                <a:hlinkClick r:id="rId1" action="ppaction://hlinkfile"/>
               </a:rPr>
               <a:t>wilsondesouza</a:t>
             </a:r>
             <a:r>
               <a:rPr lang="pt-BR" b="1" dirty="0">
-                <a:hlinkClick r:id="rId1" tooltip="" action="ppaction://hlinkfile"/>
+                <a:hlinkClick r:id="rId1" action="ppaction://hlinkfile"/>
               </a:rPr>
               <a:t>/create-ebook-python</a:t>
             </a:r>

--- a/output/ebook-python-paradigmas.pptx
+++ b/output/ebook-python-paradigmas.pptx
@@ -6827,6 +6827,13 @@
           <a:prstGeom prst="rect">
             <a:avLst/>
           </a:prstGeom>
+          <a:effectLst>
+            <a:outerShdw blurRad="50800" dist="50800" dir="5400000" algn="ctr" rotWithShape="0">
+              <a:srgbClr val="000000">
+                <a:alpha val="100000"/>
+              </a:srgbClr>
+            </a:outerShdw>
+          </a:effectLst>
         </p:spPr>
       </p:pic>
     </p:spTree>
@@ -7336,6 +7343,13 @@
           <a:prstGeom prst="rect">
             <a:avLst/>
           </a:prstGeom>
+          <a:effectLst>
+            <a:outerShdw blurRad="50800" dist="50800" dir="5400000" algn="ctr" rotWithShape="0">
+              <a:srgbClr val="000000">
+                <a:alpha val="100000"/>
+              </a:srgbClr>
+            </a:outerShdw>
+          </a:effectLst>
         </p:spPr>
       </p:pic>
       <p:pic>
@@ -7895,6 +7909,13 @@
           <a:prstGeom prst="rect">
             <a:avLst/>
           </a:prstGeom>
+          <a:effectLst>
+            <a:outerShdw blurRad="50800" dist="50800" dir="5400000" algn="ctr" rotWithShape="0">
+              <a:srgbClr val="000000">
+                <a:alpha val="100000"/>
+              </a:srgbClr>
+            </a:outerShdw>
+          </a:effectLst>
         </p:spPr>
       </p:pic>
       <p:pic>
@@ -8454,6 +8475,13 @@
           <a:prstGeom prst="rect">
             <a:avLst/>
           </a:prstGeom>
+          <a:effectLst>
+            <a:outerShdw blurRad="50800" dist="50800" dir="5400000" algn="ctr" rotWithShape="0">
+              <a:srgbClr val="000000">
+                <a:alpha val="100000"/>
+              </a:srgbClr>
+            </a:outerShdw>
+          </a:effectLst>
         </p:spPr>
       </p:pic>
       <p:pic>
@@ -9013,6 +9041,13 @@
           <a:prstGeom prst="rect">
             <a:avLst/>
           </a:prstGeom>
+          <a:effectLst>
+            <a:outerShdw blurRad="50800" dist="50800" dir="5400000" algn="ctr" rotWithShape="0">
+              <a:srgbClr val="000000">
+                <a:alpha val="100000"/>
+              </a:srgbClr>
+            </a:outerShdw>
+          </a:effectLst>
         </p:spPr>
       </p:pic>
       <p:pic>
@@ -11600,6 +11635,13 @@
           <a:prstGeom prst="rect">
             <a:avLst/>
           </a:prstGeom>
+          <a:effectLst>
+            <a:outerShdw blurRad="50800" dist="50800" dir="5400000" algn="ctr" rotWithShape="0">
+              <a:srgbClr val="000000">
+                <a:alpha val="100000"/>
+              </a:srgbClr>
+            </a:outerShdw>
+          </a:effectLst>
         </p:spPr>
       </p:pic>
       <p:sp>
@@ -12162,6 +12204,13 @@
           <a:prstGeom prst="rect">
             <a:avLst/>
           </a:prstGeom>
+          <a:effectLst>
+            <a:outerShdw blurRad="50800" dist="50800" dir="5400000" algn="ctr" rotWithShape="0">
+              <a:srgbClr val="000000">
+                <a:alpha val="100000"/>
+              </a:srgbClr>
+            </a:outerShdw>
+          </a:effectLst>
         </p:spPr>
       </p:pic>
       <p:pic>
@@ -12701,7 +12750,7 @@
       </p:sp>
       <p:pic>
         <p:nvPicPr>
-          <p:cNvPr id="2" name="Imagem 1"/>
+          <p:cNvPr id="4" name="Imagem 3" descr="Remove-bg.ai_1711494261324"/>
           <p:cNvPicPr>
             <a:picLocks noChangeAspect="1"/>
           </p:cNvPicPr>
@@ -12714,30 +12763,6 @@
           </a:stretch>
         </p:blipFill>
         <p:spPr>
-          <a:xfrm>
-            <a:off x="796290" y="4857750"/>
-            <a:ext cx="8806180" cy="5023485"/>
-          </a:xfrm>
-          <a:prstGeom prst="rect">
-            <a:avLst/>
-          </a:prstGeom>
-        </p:spPr>
-      </p:pic>
-      <p:pic>
-        <p:nvPicPr>
-          <p:cNvPr id="4" name="Imagem 3" descr="Remove-bg.ai_1711494261324"/>
-          <p:cNvPicPr>
-            <a:picLocks noChangeAspect="1"/>
-          </p:cNvPicPr>
-          <p:nvPr/>
-        </p:nvPicPr>
-        <p:blipFill>
-          <a:blip r:embed="rId2"/>
-          <a:stretch>
-            <a:fillRect/>
-          </a:stretch>
-        </p:blipFill>
-        <p:spPr>
           <a:xfrm rot="16200000">
             <a:off x="3766820" y="334645"/>
             <a:ext cx="2863850" cy="3965575"/>
@@ -12756,7 +12781,7 @@
           <p:nvPr/>
         </p:nvPicPr>
         <p:blipFill>
-          <a:blip r:embed="rId3">
+          <a:blip r:embed="rId2">
             <a:lum bright="70000" contrast="-70000"/>
           </a:blip>
           <a:stretch>
@@ -12771,6 +12796,38 @@
           <a:prstGeom prst="ellipse">
             <a:avLst/>
           </a:prstGeom>
+        </p:spPr>
+      </p:pic>
+      <p:pic>
+        <p:nvPicPr>
+          <p:cNvPr id="2" name="Imagem 1"/>
+          <p:cNvPicPr>
+            <a:picLocks noChangeAspect="1"/>
+          </p:cNvPicPr>
+          <p:nvPr/>
+        </p:nvPicPr>
+        <p:blipFill>
+          <a:blip r:embed="rId3"/>
+          <a:stretch>
+            <a:fillRect/>
+          </a:stretch>
+        </p:blipFill>
+        <p:spPr>
+          <a:xfrm>
+            <a:off x="796290" y="4857750"/>
+            <a:ext cx="8806180" cy="5023485"/>
+          </a:xfrm>
+          <a:prstGeom prst="rect">
+            <a:avLst/>
+          </a:prstGeom>
+          <a:effectLst>
+            <a:outerShdw blurRad="50800" dist="50800" dir="5400000" algn="ctr" rotWithShape="0">
+              <a:srgbClr val="000000">
+                <a:alpha val="100000"/>
+              </a:srgbClr>
+            </a:outerShdw>
+            <a:reflection endPos="0" dir="5400000" sy="-100000" algn="bl" rotWithShape="0"/>
+          </a:effectLst>
         </p:spPr>
       </p:pic>
     </p:spTree>
